--- a/ppt 16-9/1191.祝福婴孩.pptx
+++ b/ppt 16-9/1191.祝福婴孩.pptx
@@ -5,7 +5,7 @@
     <p:sldMasterId id="2147483648" r:id="rId1"/>
   </p:sldMasterIdLst>
   <p:sldIdLst>
-    <p:sldId id="713" r:id="rId2"/>
+    <p:sldId id="714" r:id="rId2"/>
   </p:sldIdLst>
   <p:sldSz cx="12192000" cy="6858000"/>
   <p:notesSz cx="6858000" cy="9144000"/>
@@ -129,7 +129,7 @@
           <p:cNvPr id="2" name="标题 1">
             <a:extLst>
               <a:ext uri="{FF2B5EF4-FFF2-40B4-BE49-F238E27FC236}">
-                <a16:creationId xmlns:a16="http://schemas.microsoft.com/office/drawing/2014/main" id="{3C924BED-AE9D-6750-4218-822F50B11884}"/>
+                <a16:creationId xmlns:a16="http://schemas.microsoft.com/office/drawing/2014/main" id="{D0A8AFDE-2104-D23A-5948-268B1E1744B7}"/>
               </a:ext>
             </a:extLst>
           </p:cNvPr>
@@ -166,7 +166,7 @@
           <p:cNvPr id="3" name="副标题 2">
             <a:extLst>
               <a:ext uri="{FF2B5EF4-FFF2-40B4-BE49-F238E27FC236}">
-                <a16:creationId xmlns:a16="http://schemas.microsoft.com/office/drawing/2014/main" id="{05D22082-7524-9D34-20BE-88CE6928EC60}"/>
+                <a16:creationId xmlns:a16="http://schemas.microsoft.com/office/drawing/2014/main" id="{B78AF79D-AC38-CBBC-43D9-A587C116CEAD}"/>
               </a:ext>
             </a:extLst>
           </p:cNvPr>
@@ -236,7 +236,7 @@
           <p:cNvPr id="4" name="日期占位符 3">
             <a:extLst>
               <a:ext uri="{FF2B5EF4-FFF2-40B4-BE49-F238E27FC236}">
-                <a16:creationId xmlns:a16="http://schemas.microsoft.com/office/drawing/2014/main" id="{74557A55-001B-C42D-433D-3464961FF946}"/>
+                <a16:creationId xmlns:a16="http://schemas.microsoft.com/office/drawing/2014/main" id="{8F6D8AB5-32D7-3965-029C-0E72D51BCE9E}"/>
               </a:ext>
             </a:extLst>
           </p:cNvPr>
@@ -252,7 +252,7 @@
           <a:bodyPr/>
           <a:lstStyle/>
           <a:p>
-            <a:fld id="{3BB286D0-E146-4A24-9018-1BD3DDAA24A7}" type="datetimeFigureOut">
+            <a:fld id="{6EFD2B30-E2BB-441A-AD8C-76BC62EEAAB5}" type="datetimeFigureOut">
               <a:rPr lang="zh-CN" altLang="en-US" smtClean="0"/>
               <a:t>2024/3/10</a:t>
             </a:fld>
@@ -265,7 +265,7 @@
           <p:cNvPr id="5" name="页脚占位符 4">
             <a:extLst>
               <a:ext uri="{FF2B5EF4-FFF2-40B4-BE49-F238E27FC236}">
-                <a16:creationId xmlns:a16="http://schemas.microsoft.com/office/drawing/2014/main" id="{B59338B8-8AE7-184F-2718-10A257270E30}"/>
+                <a16:creationId xmlns:a16="http://schemas.microsoft.com/office/drawing/2014/main" id="{7E0DDB30-AEBC-E283-DB16-63B276F0CEB6}"/>
               </a:ext>
             </a:extLst>
           </p:cNvPr>
@@ -290,7 +290,7 @@
           <p:cNvPr id="6" name="灯片编号占位符 5">
             <a:extLst>
               <a:ext uri="{FF2B5EF4-FFF2-40B4-BE49-F238E27FC236}">
-                <a16:creationId xmlns:a16="http://schemas.microsoft.com/office/drawing/2014/main" id="{E8CECEDC-FA82-FAAF-CBA3-DAB3F2E2A4DA}"/>
+                <a16:creationId xmlns:a16="http://schemas.microsoft.com/office/drawing/2014/main" id="{4161834F-84D8-B806-8AA1-E35ACBD99B41}"/>
               </a:ext>
             </a:extLst>
           </p:cNvPr>
@@ -306,7 +306,7 @@
           <a:bodyPr/>
           <a:lstStyle/>
           <a:p>
-            <a:fld id="{57BAF83A-4AF8-44BD-9EA7-8A8236AEF700}" type="slidenum">
+            <a:fld id="{517944E9-1146-4C0F-A56E-CAF353FBD10B}" type="slidenum">
               <a:rPr lang="zh-CN" altLang="en-US" smtClean="0"/>
               <a:t>‹#›</a:t>
             </a:fld>
@@ -317,7 +317,7 @@
     </p:spTree>
     <p:extLst>
       <p:ext uri="{BB962C8B-B14F-4D97-AF65-F5344CB8AC3E}">
-        <p14:creationId xmlns:p14="http://schemas.microsoft.com/office/powerpoint/2010/main" val="1150113183"/>
+        <p14:creationId xmlns:p14="http://schemas.microsoft.com/office/powerpoint/2010/main" val="3349107374"/>
       </p:ext>
     </p:extLst>
   </p:cSld>
@@ -349,7 +349,7 @@
           <p:cNvPr id="2" name="标题 1">
             <a:extLst>
               <a:ext uri="{FF2B5EF4-FFF2-40B4-BE49-F238E27FC236}">
-                <a16:creationId xmlns:a16="http://schemas.microsoft.com/office/drawing/2014/main" id="{0DDCA489-193F-4146-41DD-25EF90534EFC}"/>
+                <a16:creationId xmlns:a16="http://schemas.microsoft.com/office/drawing/2014/main" id="{A6D7BEC8-89C1-24F0-3126-5FD8DE9B6F18}"/>
               </a:ext>
             </a:extLst>
           </p:cNvPr>
@@ -377,7 +377,7 @@
           <p:cNvPr id="3" name="竖排文字占位符 2">
             <a:extLst>
               <a:ext uri="{FF2B5EF4-FFF2-40B4-BE49-F238E27FC236}">
-                <a16:creationId xmlns:a16="http://schemas.microsoft.com/office/drawing/2014/main" id="{7BEA196E-771B-FB0C-40E8-DBB642D9DDE3}"/>
+                <a16:creationId xmlns:a16="http://schemas.microsoft.com/office/drawing/2014/main" id="{B77C7B05-DA0C-6B19-34BD-E604DAF0ECB7}"/>
               </a:ext>
             </a:extLst>
           </p:cNvPr>
@@ -434,7 +434,7 @@
           <p:cNvPr id="4" name="日期占位符 3">
             <a:extLst>
               <a:ext uri="{FF2B5EF4-FFF2-40B4-BE49-F238E27FC236}">
-                <a16:creationId xmlns:a16="http://schemas.microsoft.com/office/drawing/2014/main" id="{703B2A3F-6564-D504-FA3D-067F804C4479}"/>
+                <a16:creationId xmlns:a16="http://schemas.microsoft.com/office/drawing/2014/main" id="{11D7C57E-116C-FB88-8F89-D386AD6F06B8}"/>
               </a:ext>
             </a:extLst>
           </p:cNvPr>
@@ -450,7 +450,7 @@
           <a:bodyPr/>
           <a:lstStyle/>
           <a:p>
-            <a:fld id="{3BB286D0-E146-4A24-9018-1BD3DDAA24A7}" type="datetimeFigureOut">
+            <a:fld id="{6EFD2B30-E2BB-441A-AD8C-76BC62EEAAB5}" type="datetimeFigureOut">
               <a:rPr lang="zh-CN" altLang="en-US" smtClean="0"/>
               <a:t>2024/3/10</a:t>
             </a:fld>
@@ -463,7 +463,7 @@
           <p:cNvPr id="5" name="页脚占位符 4">
             <a:extLst>
               <a:ext uri="{FF2B5EF4-FFF2-40B4-BE49-F238E27FC236}">
-                <a16:creationId xmlns:a16="http://schemas.microsoft.com/office/drawing/2014/main" id="{4564846F-CBD2-DC1A-38EA-8D89C70E1731}"/>
+                <a16:creationId xmlns:a16="http://schemas.microsoft.com/office/drawing/2014/main" id="{2E303C0D-78DE-21E3-6AF7-0AB4E9BC6B3D}"/>
               </a:ext>
             </a:extLst>
           </p:cNvPr>
@@ -488,7 +488,7 @@
           <p:cNvPr id="6" name="灯片编号占位符 5">
             <a:extLst>
               <a:ext uri="{FF2B5EF4-FFF2-40B4-BE49-F238E27FC236}">
-                <a16:creationId xmlns:a16="http://schemas.microsoft.com/office/drawing/2014/main" id="{99E6319A-DDCD-A60D-070F-3A12CA64EF31}"/>
+                <a16:creationId xmlns:a16="http://schemas.microsoft.com/office/drawing/2014/main" id="{EBE4DFA5-98C8-3F76-0D9B-9058126AE100}"/>
               </a:ext>
             </a:extLst>
           </p:cNvPr>
@@ -504,7 +504,7 @@
           <a:bodyPr/>
           <a:lstStyle/>
           <a:p>
-            <a:fld id="{57BAF83A-4AF8-44BD-9EA7-8A8236AEF700}" type="slidenum">
+            <a:fld id="{517944E9-1146-4C0F-A56E-CAF353FBD10B}" type="slidenum">
               <a:rPr lang="zh-CN" altLang="en-US" smtClean="0"/>
               <a:t>‹#›</a:t>
             </a:fld>
@@ -515,7 +515,7 @@
     </p:spTree>
     <p:extLst>
       <p:ext uri="{BB962C8B-B14F-4D97-AF65-F5344CB8AC3E}">
-        <p14:creationId xmlns:p14="http://schemas.microsoft.com/office/powerpoint/2010/main" val="4083899927"/>
+        <p14:creationId xmlns:p14="http://schemas.microsoft.com/office/powerpoint/2010/main" val="3010179484"/>
       </p:ext>
     </p:extLst>
   </p:cSld>
@@ -547,7 +547,7 @@
           <p:cNvPr id="2" name="竖排标题 1">
             <a:extLst>
               <a:ext uri="{FF2B5EF4-FFF2-40B4-BE49-F238E27FC236}">
-                <a16:creationId xmlns:a16="http://schemas.microsoft.com/office/drawing/2014/main" id="{2A8932E7-BA95-034C-BE03-96AC62B3D079}"/>
+                <a16:creationId xmlns:a16="http://schemas.microsoft.com/office/drawing/2014/main" id="{297A84FD-03CA-4EE2-BF15-6AD240D1BAC8}"/>
               </a:ext>
             </a:extLst>
           </p:cNvPr>
@@ -580,7 +580,7 @@
           <p:cNvPr id="3" name="竖排文字占位符 2">
             <a:extLst>
               <a:ext uri="{FF2B5EF4-FFF2-40B4-BE49-F238E27FC236}">
-                <a16:creationId xmlns:a16="http://schemas.microsoft.com/office/drawing/2014/main" id="{8A005A57-CB2F-F11A-0582-049EC4AAC21E}"/>
+                <a16:creationId xmlns:a16="http://schemas.microsoft.com/office/drawing/2014/main" id="{B4B8E35F-DA3E-E4AA-7464-BA0975B4F10D}"/>
               </a:ext>
             </a:extLst>
           </p:cNvPr>
@@ -642,7 +642,7 @@
           <p:cNvPr id="4" name="日期占位符 3">
             <a:extLst>
               <a:ext uri="{FF2B5EF4-FFF2-40B4-BE49-F238E27FC236}">
-                <a16:creationId xmlns:a16="http://schemas.microsoft.com/office/drawing/2014/main" id="{AEE542EA-5D8B-346D-272A-E2275EEE4C32}"/>
+                <a16:creationId xmlns:a16="http://schemas.microsoft.com/office/drawing/2014/main" id="{5B9B12DD-B5F1-D9E6-2577-B041A6B036BA}"/>
               </a:ext>
             </a:extLst>
           </p:cNvPr>
@@ -658,7 +658,7 @@
           <a:bodyPr/>
           <a:lstStyle/>
           <a:p>
-            <a:fld id="{3BB286D0-E146-4A24-9018-1BD3DDAA24A7}" type="datetimeFigureOut">
+            <a:fld id="{6EFD2B30-E2BB-441A-AD8C-76BC62EEAAB5}" type="datetimeFigureOut">
               <a:rPr lang="zh-CN" altLang="en-US" smtClean="0"/>
               <a:t>2024/3/10</a:t>
             </a:fld>
@@ -671,7 +671,7 @@
           <p:cNvPr id="5" name="页脚占位符 4">
             <a:extLst>
               <a:ext uri="{FF2B5EF4-FFF2-40B4-BE49-F238E27FC236}">
-                <a16:creationId xmlns:a16="http://schemas.microsoft.com/office/drawing/2014/main" id="{A6FF2B16-A659-86BE-625E-BFCF7247F89D}"/>
+                <a16:creationId xmlns:a16="http://schemas.microsoft.com/office/drawing/2014/main" id="{B905EA03-178A-4277-41CF-0340DB25B824}"/>
               </a:ext>
             </a:extLst>
           </p:cNvPr>
@@ -696,7 +696,7 @@
           <p:cNvPr id="6" name="灯片编号占位符 5">
             <a:extLst>
               <a:ext uri="{FF2B5EF4-FFF2-40B4-BE49-F238E27FC236}">
-                <a16:creationId xmlns:a16="http://schemas.microsoft.com/office/drawing/2014/main" id="{A3ABA8BD-2B1A-B7D8-2A9A-E67015ED8F8B}"/>
+                <a16:creationId xmlns:a16="http://schemas.microsoft.com/office/drawing/2014/main" id="{D3CF3A30-FA93-D2B1-F78F-7CEF6812C498}"/>
               </a:ext>
             </a:extLst>
           </p:cNvPr>
@@ -712,7 +712,7 @@
           <a:bodyPr/>
           <a:lstStyle/>
           <a:p>
-            <a:fld id="{57BAF83A-4AF8-44BD-9EA7-8A8236AEF700}" type="slidenum">
+            <a:fld id="{517944E9-1146-4C0F-A56E-CAF353FBD10B}" type="slidenum">
               <a:rPr lang="zh-CN" altLang="en-US" smtClean="0"/>
               <a:t>‹#›</a:t>
             </a:fld>
@@ -723,7 +723,7 @@
     </p:spTree>
     <p:extLst>
       <p:ext uri="{BB962C8B-B14F-4D97-AF65-F5344CB8AC3E}">
-        <p14:creationId xmlns:p14="http://schemas.microsoft.com/office/powerpoint/2010/main" val="2148695063"/>
+        <p14:creationId xmlns:p14="http://schemas.microsoft.com/office/powerpoint/2010/main" val="3880236035"/>
       </p:ext>
     </p:extLst>
   </p:cSld>
@@ -755,7 +755,7 @@
           <p:cNvPr id="2" name="标题 1">
             <a:extLst>
               <a:ext uri="{FF2B5EF4-FFF2-40B4-BE49-F238E27FC236}">
-                <a16:creationId xmlns:a16="http://schemas.microsoft.com/office/drawing/2014/main" id="{EECCBD18-9026-C65C-87BE-B4B5AECF0F6C}"/>
+                <a16:creationId xmlns:a16="http://schemas.microsoft.com/office/drawing/2014/main" id="{450AFB63-34E8-9108-0DF0-7580A888D8FE}"/>
               </a:ext>
             </a:extLst>
           </p:cNvPr>
@@ -783,7 +783,7 @@
           <p:cNvPr id="3" name="内容占位符 2">
             <a:extLst>
               <a:ext uri="{FF2B5EF4-FFF2-40B4-BE49-F238E27FC236}">
-                <a16:creationId xmlns:a16="http://schemas.microsoft.com/office/drawing/2014/main" id="{F92AA80A-6BB2-6653-B135-EAA2AEC3A2BC}"/>
+                <a16:creationId xmlns:a16="http://schemas.microsoft.com/office/drawing/2014/main" id="{B63CF3C5-48D4-6FA5-37D5-9635E41083F9}"/>
               </a:ext>
             </a:extLst>
           </p:cNvPr>
@@ -840,7 +840,7 @@
           <p:cNvPr id="4" name="日期占位符 3">
             <a:extLst>
               <a:ext uri="{FF2B5EF4-FFF2-40B4-BE49-F238E27FC236}">
-                <a16:creationId xmlns:a16="http://schemas.microsoft.com/office/drawing/2014/main" id="{F6D197C7-1DBE-6964-A9F6-677EDD55DFCF}"/>
+                <a16:creationId xmlns:a16="http://schemas.microsoft.com/office/drawing/2014/main" id="{14782AEC-102E-A4AF-2532-9C4717770BC0}"/>
               </a:ext>
             </a:extLst>
           </p:cNvPr>
@@ -856,7 +856,7 @@
           <a:bodyPr/>
           <a:lstStyle/>
           <a:p>
-            <a:fld id="{3BB286D0-E146-4A24-9018-1BD3DDAA24A7}" type="datetimeFigureOut">
+            <a:fld id="{6EFD2B30-E2BB-441A-AD8C-76BC62EEAAB5}" type="datetimeFigureOut">
               <a:rPr lang="zh-CN" altLang="en-US" smtClean="0"/>
               <a:t>2024/3/10</a:t>
             </a:fld>
@@ -869,7 +869,7 @@
           <p:cNvPr id="5" name="页脚占位符 4">
             <a:extLst>
               <a:ext uri="{FF2B5EF4-FFF2-40B4-BE49-F238E27FC236}">
-                <a16:creationId xmlns:a16="http://schemas.microsoft.com/office/drawing/2014/main" id="{A9C4D733-FDE9-B01F-8E67-7F40970DD065}"/>
+                <a16:creationId xmlns:a16="http://schemas.microsoft.com/office/drawing/2014/main" id="{1AA55981-7B73-01F7-20F3-C825E647F43B}"/>
               </a:ext>
             </a:extLst>
           </p:cNvPr>
@@ -894,7 +894,7 @@
           <p:cNvPr id="6" name="灯片编号占位符 5">
             <a:extLst>
               <a:ext uri="{FF2B5EF4-FFF2-40B4-BE49-F238E27FC236}">
-                <a16:creationId xmlns:a16="http://schemas.microsoft.com/office/drawing/2014/main" id="{F9D4033B-8751-1880-C413-4201DA863AFB}"/>
+                <a16:creationId xmlns:a16="http://schemas.microsoft.com/office/drawing/2014/main" id="{922D2A55-68B7-7B25-BB64-8CB1450DDDEE}"/>
               </a:ext>
             </a:extLst>
           </p:cNvPr>
@@ -910,7 +910,7 @@
           <a:bodyPr/>
           <a:lstStyle/>
           <a:p>
-            <a:fld id="{57BAF83A-4AF8-44BD-9EA7-8A8236AEF700}" type="slidenum">
+            <a:fld id="{517944E9-1146-4C0F-A56E-CAF353FBD10B}" type="slidenum">
               <a:rPr lang="zh-CN" altLang="en-US" smtClean="0"/>
               <a:t>‹#›</a:t>
             </a:fld>
@@ -921,7 +921,7 @@
     </p:spTree>
     <p:extLst>
       <p:ext uri="{BB962C8B-B14F-4D97-AF65-F5344CB8AC3E}">
-        <p14:creationId xmlns:p14="http://schemas.microsoft.com/office/powerpoint/2010/main" val="1326513823"/>
+        <p14:creationId xmlns:p14="http://schemas.microsoft.com/office/powerpoint/2010/main" val="1383458722"/>
       </p:ext>
     </p:extLst>
   </p:cSld>
@@ -953,7 +953,7 @@
           <p:cNvPr id="2" name="标题 1">
             <a:extLst>
               <a:ext uri="{FF2B5EF4-FFF2-40B4-BE49-F238E27FC236}">
-                <a16:creationId xmlns:a16="http://schemas.microsoft.com/office/drawing/2014/main" id="{243B0CD2-50FB-92EF-F018-1F874DAB79B2}"/>
+                <a16:creationId xmlns:a16="http://schemas.microsoft.com/office/drawing/2014/main" id="{A0AB17B4-1CB0-C611-59F1-369A4CC50370}"/>
               </a:ext>
             </a:extLst>
           </p:cNvPr>
@@ -990,7 +990,7 @@
           <p:cNvPr id="3" name="文本占位符 2">
             <a:extLst>
               <a:ext uri="{FF2B5EF4-FFF2-40B4-BE49-F238E27FC236}">
-                <a16:creationId xmlns:a16="http://schemas.microsoft.com/office/drawing/2014/main" id="{D8EFC7F9-45FD-61DB-1A34-E3DBA7794FAC}"/>
+                <a16:creationId xmlns:a16="http://schemas.microsoft.com/office/drawing/2014/main" id="{CA4CE989-A3C2-AA47-3B4E-E7383D43864B}"/>
               </a:ext>
             </a:extLst>
           </p:cNvPr>
@@ -1115,7 +1115,7 @@
           <p:cNvPr id="4" name="日期占位符 3">
             <a:extLst>
               <a:ext uri="{FF2B5EF4-FFF2-40B4-BE49-F238E27FC236}">
-                <a16:creationId xmlns:a16="http://schemas.microsoft.com/office/drawing/2014/main" id="{853176E7-3A20-2CC9-8505-973109AFCFA8}"/>
+                <a16:creationId xmlns:a16="http://schemas.microsoft.com/office/drawing/2014/main" id="{19B82E6A-A24C-2E0F-9F3C-91B7274E9B74}"/>
               </a:ext>
             </a:extLst>
           </p:cNvPr>
@@ -1131,7 +1131,7 @@
           <a:bodyPr/>
           <a:lstStyle/>
           <a:p>
-            <a:fld id="{3BB286D0-E146-4A24-9018-1BD3DDAA24A7}" type="datetimeFigureOut">
+            <a:fld id="{6EFD2B30-E2BB-441A-AD8C-76BC62EEAAB5}" type="datetimeFigureOut">
               <a:rPr lang="zh-CN" altLang="en-US" smtClean="0"/>
               <a:t>2024/3/10</a:t>
             </a:fld>
@@ -1144,7 +1144,7 @@
           <p:cNvPr id="5" name="页脚占位符 4">
             <a:extLst>
               <a:ext uri="{FF2B5EF4-FFF2-40B4-BE49-F238E27FC236}">
-                <a16:creationId xmlns:a16="http://schemas.microsoft.com/office/drawing/2014/main" id="{BC94CC18-93E4-00B7-FA6E-834682F61F1C}"/>
+                <a16:creationId xmlns:a16="http://schemas.microsoft.com/office/drawing/2014/main" id="{1F137CC4-1621-6E23-CBCE-8A29737799E6}"/>
               </a:ext>
             </a:extLst>
           </p:cNvPr>
@@ -1169,7 +1169,7 @@
           <p:cNvPr id="6" name="灯片编号占位符 5">
             <a:extLst>
               <a:ext uri="{FF2B5EF4-FFF2-40B4-BE49-F238E27FC236}">
-                <a16:creationId xmlns:a16="http://schemas.microsoft.com/office/drawing/2014/main" id="{3A125BA5-1874-BD08-0806-5B6EF0D96D0C}"/>
+                <a16:creationId xmlns:a16="http://schemas.microsoft.com/office/drawing/2014/main" id="{9B6CCD03-B2A7-F398-7FE5-AB843C8AEF5E}"/>
               </a:ext>
             </a:extLst>
           </p:cNvPr>
@@ -1185,7 +1185,7 @@
           <a:bodyPr/>
           <a:lstStyle/>
           <a:p>
-            <a:fld id="{57BAF83A-4AF8-44BD-9EA7-8A8236AEF700}" type="slidenum">
+            <a:fld id="{517944E9-1146-4C0F-A56E-CAF353FBD10B}" type="slidenum">
               <a:rPr lang="zh-CN" altLang="en-US" smtClean="0"/>
               <a:t>‹#›</a:t>
             </a:fld>
@@ -1196,7 +1196,7 @@
     </p:spTree>
     <p:extLst>
       <p:ext uri="{BB962C8B-B14F-4D97-AF65-F5344CB8AC3E}">
-        <p14:creationId xmlns:p14="http://schemas.microsoft.com/office/powerpoint/2010/main" val="2533128991"/>
+        <p14:creationId xmlns:p14="http://schemas.microsoft.com/office/powerpoint/2010/main" val="746480758"/>
       </p:ext>
     </p:extLst>
   </p:cSld>
@@ -1228,7 +1228,7 @@
           <p:cNvPr id="2" name="标题 1">
             <a:extLst>
               <a:ext uri="{FF2B5EF4-FFF2-40B4-BE49-F238E27FC236}">
-                <a16:creationId xmlns:a16="http://schemas.microsoft.com/office/drawing/2014/main" id="{8C19F47D-401F-F8A3-EA96-33C78A072A14}"/>
+                <a16:creationId xmlns:a16="http://schemas.microsoft.com/office/drawing/2014/main" id="{58A6DCDC-5582-3FC5-EBF4-144D12FAA7AA}"/>
               </a:ext>
             </a:extLst>
           </p:cNvPr>
@@ -1256,7 +1256,7 @@
           <p:cNvPr id="3" name="内容占位符 2">
             <a:extLst>
               <a:ext uri="{FF2B5EF4-FFF2-40B4-BE49-F238E27FC236}">
-                <a16:creationId xmlns:a16="http://schemas.microsoft.com/office/drawing/2014/main" id="{91B4852D-0148-56D4-6668-5964CE653C55}"/>
+                <a16:creationId xmlns:a16="http://schemas.microsoft.com/office/drawing/2014/main" id="{E7AECC0A-4AC8-8FCC-0E3C-31B63AB8138A}"/>
               </a:ext>
             </a:extLst>
           </p:cNvPr>
@@ -1318,7 +1318,7 @@
           <p:cNvPr id="4" name="内容占位符 3">
             <a:extLst>
               <a:ext uri="{FF2B5EF4-FFF2-40B4-BE49-F238E27FC236}">
-                <a16:creationId xmlns:a16="http://schemas.microsoft.com/office/drawing/2014/main" id="{B67D98BD-5155-C7FC-BBF8-F13ED9E5F395}"/>
+                <a16:creationId xmlns:a16="http://schemas.microsoft.com/office/drawing/2014/main" id="{BB2B9F58-DC66-5D18-9A96-5322607BA2C3}"/>
               </a:ext>
             </a:extLst>
           </p:cNvPr>
@@ -1380,7 +1380,7 @@
           <p:cNvPr id="5" name="日期占位符 4">
             <a:extLst>
               <a:ext uri="{FF2B5EF4-FFF2-40B4-BE49-F238E27FC236}">
-                <a16:creationId xmlns:a16="http://schemas.microsoft.com/office/drawing/2014/main" id="{78882355-9C71-0BC0-CB26-41E7A82A55B2}"/>
+                <a16:creationId xmlns:a16="http://schemas.microsoft.com/office/drawing/2014/main" id="{34BF92FE-B9F9-2F7D-21EB-1F88E1302A33}"/>
               </a:ext>
             </a:extLst>
           </p:cNvPr>
@@ -1396,7 +1396,7 @@
           <a:bodyPr/>
           <a:lstStyle/>
           <a:p>
-            <a:fld id="{3BB286D0-E146-4A24-9018-1BD3DDAA24A7}" type="datetimeFigureOut">
+            <a:fld id="{6EFD2B30-E2BB-441A-AD8C-76BC62EEAAB5}" type="datetimeFigureOut">
               <a:rPr lang="zh-CN" altLang="en-US" smtClean="0"/>
               <a:t>2024/3/10</a:t>
             </a:fld>
@@ -1409,7 +1409,7 @@
           <p:cNvPr id="6" name="页脚占位符 5">
             <a:extLst>
               <a:ext uri="{FF2B5EF4-FFF2-40B4-BE49-F238E27FC236}">
-                <a16:creationId xmlns:a16="http://schemas.microsoft.com/office/drawing/2014/main" id="{B960DBD2-2FA2-26EE-DB6F-F527C876A596}"/>
+                <a16:creationId xmlns:a16="http://schemas.microsoft.com/office/drawing/2014/main" id="{041C12CC-903B-7637-B23C-92B089A8C5E8}"/>
               </a:ext>
             </a:extLst>
           </p:cNvPr>
@@ -1434,7 +1434,7 @@
           <p:cNvPr id="7" name="灯片编号占位符 6">
             <a:extLst>
               <a:ext uri="{FF2B5EF4-FFF2-40B4-BE49-F238E27FC236}">
-                <a16:creationId xmlns:a16="http://schemas.microsoft.com/office/drawing/2014/main" id="{D3CB467D-53ED-980D-8CC3-FD9AE435F86E}"/>
+                <a16:creationId xmlns:a16="http://schemas.microsoft.com/office/drawing/2014/main" id="{81445861-45AC-86C9-5879-F7D9784F82F5}"/>
               </a:ext>
             </a:extLst>
           </p:cNvPr>
@@ -1450,7 +1450,7 @@
           <a:bodyPr/>
           <a:lstStyle/>
           <a:p>
-            <a:fld id="{57BAF83A-4AF8-44BD-9EA7-8A8236AEF700}" type="slidenum">
+            <a:fld id="{517944E9-1146-4C0F-A56E-CAF353FBD10B}" type="slidenum">
               <a:rPr lang="zh-CN" altLang="en-US" smtClean="0"/>
               <a:t>‹#›</a:t>
             </a:fld>
@@ -1461,7 +1461,7 @@
     </p:spTree>
     <p:extLst>
       <p:ext uri="{BB962C8B-B14F-4D97-AF65-F5344CB8AC3E}">
-        <p14:creationId xmlns:p14="http://schemas.microsoft.com/office/powerpoint/2010/main" val="3832800088"/>
+        <p14:creationId xmlns:p14="http://schemas.microsoft.com/office/powerpoint/2010/main" val="3060982252"/>
       </p:ext>
     </p:extLst>
   </p:cSld>
@@ -1493,7 +1493,7 @@
           <p:cNvPr id="2" name="标题 1">
             <a:extLst>
               <a:ext uri="{FF2B5EF4-FFF2-40B4-BE49-F238E27FC236}">
-                <a16:creationId xmlns:a16="http://schemas.microsoft.com/office/drawing/2014/main" id="{5C269A0A-C3AF-E660-472D-03EFE514A871}"/>
+                <a16:creationId xmlns:a16="http://schemas.microsoft.com/office/drawing/2014/main" id="{7B8E5827-DA31-2840-D3FB-EA9E92A7C85D}"/>
               </a:ext>
             </a:extLst>
           </p:cNvPr>
@@ -1526,7 +1526,7 @@
           <p:cNvPr id="3" name="文本占位符 2">
             <a:extLst>
               <a:ext uri="{FF2B5EF4-FFF2-40B4-BE49-F238E27FC236}">
-                <a16:creationId xmlns:a16="http://schemas.microsoft.com/office/drawing/2014/main" id="{B70D8BA0-6FB9-07F8-2C1C-6C7131CF1AA8}"/>
+                <a16:creationId xmlns:a16="http://schemas.microsoft.com/office/drawing/2014/main" id="{4B830E37-A8D8-1B46-158F-ABE6AACE8ACB}"/>
               </a:ext>
             </a:extLst>
           </p:cNvPr>
@@ -1597,7 +1597,7 @@
           <p:cNvPr id="4" name="内容占位符 3">
             <a:extLst>
               <a:ext uri="{FF2B5EF4-FFF2-40B4-BE49-F238E27FC236}">
-                <a16:creationId xmlns:a16="http://schemas.microsoft.com/office/drawing/2014/main" id="{B47AE703-1ED6-11BC-DBC8-0E89EB44A878}"/>
+                <a16:creationId xmlns:a16="http://schemas.microsoft.com/office/drawing/2014/main" id="{D07504B3-8937-F8E3-8391-3101691A9E37}"/>
               </a:ext>
             </a:extLst>
           </p:cNvPr>
@@ -1659,7 +1659,7 @@
           <p:cNvPr id="5" name="文本占位符 4">
             <a:extLst>
               <a:ext uri="{FF2B5EF4-FFF2-40B4-BE49-F238E27FC236}">
-                <a16:creationId xmlns:a16="http://schemas.microsoft.com/office/drawing/2014/main" id="{48ED6035-E978-6FA1-0151-7FA850DFB28C}"/>
+                <a16:creationId xmlns:a16="http://schemas.microsoft.com/office/drawing/2014/main" id="{C5580ED2-0B0D-6D21-62AF-632F63F17773}"/>
               </a:ext>
             </a:extLst>
           </p:cNvPr>
@@ -1730,7 +1730,7 @@
           <p:cNvPr id="6" name="内容占位符 5">
             <a:extLst>
               <a:ext uri="{FF2B5EF4-FFF2-40B4-BE49-F238E27FC236}">
-                <a16:creationId xmlns:a16="http://schemas.microsoft.com/office/drawing/2014/main" id="{569C0CA4-D0AD-9EE7-FD6F-DBF0AA06A85B}"/>
+                <a16:creationId xmlns:a16="http://schemas.microsoft.com/office/drawing/2014/main" id="{F58DA777-E28A-AAD3-747B-A0D164746602}"/>
               </a:ext>
             </a:extLst>
           </p:cNvPr>
@@ -1792,7 +1792,7 @@
           <p:cNvPr id="7" name="日期占位符 6">
             <a:extLst>
               <a:ext uri="{FF2B5EF4-FFF2-40B4-BE49-F238E27FC236}">
-                <a16:creationId xmlns:a16="http://schemas.microsoft.com/office/drawing/2014/main" id="{263CC7CB-577F-6424-F25A-A93459B591B4}"/>
+                <a16:creationId xmlns:a16="http://schemas.microsoft.com/office/drawing/2014/main" id="{8999CCC8-FDEA-2C02-8B17-78800ABEBBE0}"/>
               </a:ext>
             </a:extLst>
           </p:cNvPr>
@@ -1808,7 +1808,7 @@
           <a:bodyPr/>
           <a:lstStyle/>
           <a:p>
-            <a:fld id="{3BB286D0-E146-4A24-9018-1BD3DDAA24A7}" type="datetimeFigureOut">
+            <a:fld id="{6EFD2B30-E2BB-441A-AD8C-76BC62EEAAB5}" type="datetimeFigureOut">
               <a:rPr lang="zh-CN" altLang="en-US" smtClean="0"/>
               <a:t>2024/3/10</a:t>
             </a:fld>
@@ -1821,7 +1821,7 @@
           <p:cNvPr id="8" name="页脚占位符 7">
             <a:extLst>
               <a:ext uri="{FF2B5EF4-FFF2-40B4-BE49-F238E27FC236}">
-                <a16:creationId xmlns:a16="http://schemas.microsoft.com/office/drawing/2014/main" id="{15643F0A-E19C-72A2-240C-D6842781A130}"/>
+                <a16:creationId xmlns:a16="http://schemas.microsoft.com/office/drawing/2014/main" id="{BBCE395C-8019-FCA9-1E8C-EE76FB19470A}"/>
               </a:ext>
             </a:extLst>
           </p:cNvPr>
@@ -1846,7 +1846,7 @@
           <p:cNvPr id="9" name="灯片编号占位符 8">
             <a:extLst>
               <a:ext uri="{FF2B5EF4-FFF2-40B4-BE49-F238E27FC236}">
-                <a16:creationId xmlns:a16="http://schemas.microsoft.com/office/drawing/2014/main" id="{34E9F281-3633-EFDC-970F-2757749E9A07}"/>
+                <a16:creationId xmlns:a16="http://schemas.microsoft.com/office/drawing/2014/main" id="{40D1B0C0-DF3E-524F-C403-074B70310447}"/>
               </a:ext>
             </a:extLst>
           </p:cNvPr>
@@ -1862,7 +1862,7 @@
           <a:bodyPr/>
           <a:lstStyle/>
           <a:p>
-            <a:fld id="{57BAF83A-4AF8-44BD-9EA7-8A8236AEF700}" type="slidenum">
+            <a:fld id="{517944E9-1146-4C0F-A56E-CAF353FBD10B}" type="slidenum">
               <a:rPr lang="zh-CN" altLang="en-US" smtClean="0"/>
               <a:t>‹#›</a:t>
             </a:fld>
@@ -1873,7 +1873,7 @@
     </p:spTree>
     <p:extLst>
       <p:ext uri="{BB962C8B-B14F-4D97-AF65-F5344CB8AC3E}">
-        <p14:creationId xmlns:p14="http://schemas.microsoft.com/office/powerpoint/2010/main" val="89879264"/>
+        <p14:creationId xmlns:p14="http://schemas.microsoft.com/office/powerpoint/2010/main" val="2404293659"/>
       </p:ext>
     </p:extLst>
   </p:cSld>
@@ -1905,7 +1905,7 @@
           <p:cNvPr id="2" name="标题 1">
             <a:extLst>
               <a:ext uri="{FF2B5EF4-FFF2-40B4-BE49-F238E27FC236}">
-                <a16:creationId xmlns:a16="http://schemas.microsoft.com/office/drawing/2014/main" id="{FD96356B-8856-C3A2-9C39-8BA11096E3F7}"/>
+                <a16:creationId xmlns:a16="http://schemas.microsoft.com/office/drawing/2014/main" id="{4C5B83DA-FF43-3EC9-EAA3-F0F46AB7353C}"/>
               </a:ext>
             </a:extLst>
           </p:cNvPr>
@@ -1933,7 +1933,7 @@
           <p:cNvPr id="3" name="日期占位符 2">
             <a:extLst>
               <a:ext uri="{FF2B5EF4-FFF2-40B4-BE49-F238E27FC236}">
-                <a16:creationId xmlns:a16="http://schemas.microsoft.com/office/drawing/2014/main" id="{F1185F3B-8B34-EAE3-EF59-3FEBA9FA2DF6}"/>
+                <a16:creationId xmlns:a16="http://schemas.microsoft.com/office/drawing/2014/main" id="{4103151F-CDEA-CF6D-67C6-EB2AA4EF5B28}"/>
               </a:ext>
             </a:extLst>
           </p:cNvPr>
@@ -1949,7 +1949,7 @@
           <a:bodyPr/>
           <a:lstStyle/>
           <a:p>
-            <a:fld id="{3BB286D0-E146-4A24-9018-1BD3DDAA24A7}" type="datetimeFigureOut">
+            <a:fld id="{6EFD2B30-E2BB-441A-AD8C-76BC62EEAAB5}" type="datetimeFigureOut">
               <a:rPr lang="zh-CN" altLang="en-US" smtClean="0"/>
               <a:t>2024/3/10</a:t>
             </a:fld>
@@ -1962,7 +1962,7 @@
           <p:cNvPr id="4" name="页脚占位符 3">
             <a:extLst>
               <a:ext uri="{FF2B5EF4-FFF2-40B4-BE49-F238E27FC236}">
-                <a16:creationId xmlns:a16="http://schemas.microsoft.com/office/drawing/2014/main" id="{58A5B145-7E60-3624-F76B-BF2ABDC940C5}"/>
+                <a16:creationId xmlns:a16="http://schemas.microsoft.com/office/drawing/2014/main" id="{4B07DF30-92F3-B916-3B22-D633C8FC4CDF}"/>
               </a:ext>
             </a:extLst>
           </p:cNvPr>
@@ -1987,7 +1987,7 @@
           <p:cNvPr id="5" name="灯片编号占位符 4">
             <a:extLst>
               <a:ext uri="{FF2B5EF4-FFF2-40B4-BE49-F238E27FC236}">
-                <a16:creationId xmlns:a16="http://schemas.microsoft.com/office/drawing/2014/main" id="{DBF91031-A617-5EF3-3BF8-EDE51E609AD5}"/>
+                <a16:creationId xmlns:a16="http://schemas.microsoft.com/office/drawing/2014/main" id="{36C91AD2-15EC-22F0-4E6C-0B41CB945BF4}"/>
               </a:ext>
             </a:extLst>
           </p:cNvPr>
@@ -2003,7 +2003,7 @@
           <a:bodyPr/>
           <a:lstStyle/>
           <a:p>
-            <a:fld id="{57BAF83A-4AF8-44BD-9EA7-8A8236AEF700}" type="slidenum">
+            <a:fld id="{517944E9-1146-4C0F-A56E-CAF353FBD10B}" type="slidenum">
               <a:rPr lang="zh-CN" altLang="en-US" smtClean="0"/>
               <a:t>‹#›</a:t>
             </a:fld>
@@ -2014,7 +2014,7 @@
     </p:spTree>
     <p:extLst>
       <p:ext uri="{BB962C8B-B14F-4D97-AF65-F5344CB8AC3E}">
-        <p14:creationId xmlns:p14="http://schemas.microsoft.com/office/powerpoint/2010/main" val="2855428524"/>
+        <p14:creationId xmlns:p14="http://schemas.microsoft.com/office/powerpoint/2010/main" val="1148110507"/>
       </p:ext>
     </p:extLst>
   </p:cSld>
@@ -2046,7 +2046,7 @@
           <p:cNvPr id="2" name="日期占位符 1">
             <a:extLst>
               <a:ext uri="{FF2B5EF4-FFF2-40B4-BE49-F238E27FC236}">
-                <a16:creationId xmlns:a16="http://schemas.microsoft.com/office/drawing/2014/main" id="{9A1B1D26-B9AC-6B7A-AA55-51AF076A1858}"/>
+                <a16:creationId xmlns:a16="http://schemas.microsoft.com/office/drawing/2014/main" id="{6DF73F7F-9841-F3F0-2F19-BF791AA500F2}"/>
               </a:ext>
             </a:extLst>
           </p:cNvPr>
@@ -2062,7 +2062,7 @@
           <a:bodyPr/>
           <a:lstStyle/>
           <a:p>
-            <a:fld id="{3BB286D0-E146-4A24-9018-1BD3DDAA24A7}" type="datetimeFigureOut">
+            <a:fld id="{6EFD2B30-E2BB-441A-AD8C-76BC62EEAAB5}" type="datetimeFigureOut">
               <a:rPr lang="zh-CN" altLang="en-US" smtClean="0"/>
               <a:t>2024/3/10</a:t>
             </a:fld>
@@ -2075,7 +2075,7 @@
           <p:cNvPr id="3" name="页脚占位符 2">
             <a:extLst>
               <a:ext uri="{FF2B5EF4-FFF2-40B4-BE49-F238E27FC236}">
-                <a16:creationId xmlns:a16="http://schemas.microsoft.com/office/drawing/2014/main" id="{916F8DD9-D0F0-D36E-E880-3900458654AB}"/>
+                <a16:creationId xmlns:a16="http://schemas.microsoft.com/office/drawing/2014/main" id="{0E2528A0-A540-F579-674A-0215BD94AB93}"/>
               </a:ext>
             </a:extLst>
           </p:cNvPr>
@@ -2100,7 +2100,7 @@
           <p:cNvPr id="4" name="灯片编号占位符 3">
             <a:extLst>
               <a:ext uri="{FF2B5EF4-FFF2-40B4-BE49-F238E27FC236}">
-                <a16:creationId xmlns:a16="http://schemas.microsoft.com/office/drawing/2014/main" id="{A453CF7E-DF1F-D34D-8723-15331A376899}"/>
+                <a16:creationId xmlns:a16="http://schemas.microsoft.com/office/drawing/2014/main" id="{65DBE320-AD89-008A-889D-395BE878C683}"/>
               </a:ext>
             </a:extLst>
           </p:cNvPr>
@@ -2116,7 +2116,7 @@
           <a:bodyPr/>
           <a:lstStyle/>
           <a:p>
-            <a:fld id="{57BAF83A-4AF8-44BD-9EA7-8A8236AEF700}" type="slidenum">
+            <a:fld id="{517944E9-1146-4C0F-A56E-CAF353FBD10B}" type="slidenum">
               <a:rPr lang="zh-CN" altLang="en-US" smtClean="0"/>
               <a:t>‹#›</a:t>
             </a:fld>
@@ -2127,7 +2127,7 @@
     </p:spTree>
     <p:extLst>
       <p:ext uri="{BB962C8B-B14F-4D97-AF65-F5344CB8AC3E}">
-        <p14:creationId xmlns:p14="http://schemas.microsoft.com/office/powerpoint/2010/main" val="3775212207"/>
+        <p14:creationId xmlns:p14="http://schemas.microsoft.com/office/powerpoint/2010/main" val="1859480430"/>
       </p:ext>
     </p:extLst>
   </p:cSld>
@@ -2159,7 +2159,7 @@
           <p:cNvPr id="2" name="标题 1">
             <a:extLst>
               <a:ext uri="{FF2B5EF4-FFF2-40B4-BE49-F238E27FC236}">
-                <a16:creationId xmlns:a16="http://schemas.microsoft.com/office/drawing/2014/main" id="{A7B8A1F8-9EB3-5DD6-0301-1D18CF769C1E}"/>
+                <a16:creationId xmlns:a16="http://schemas.microsoft.com/office/drawing/2014/main" id="{11D5E54F-66A1-26DD-777C-76090B86DEE1}"/>
               </a:ext>
             </a:extLst>
           </p:cNvPr>
@@ -2196,7 +2196,7 @@
           <p:cNvPr id="3" name="内容占位符 2">
             <a:extLst>
               <a:ext uri="{FF2B5EF4-FFF2-40B4-BE49-F238E27FC236}">
-                <a16:creationId xmlns:a16="http://schemas.microsoft.com/office/drawing/2014/main" id="{982D75A8-97B7-DC4F-A2E7-2DBC2522F51D}"/>
+                <a16:creationId xmlns:a16="http://schemas.microsoft.com/office/drawing/2014/main" id="{2A03532D-D3A8-940E-3FBC-26ECCF5A2318}"/>
               </a:ext>
             </a:extLst>
           </p:cNvPr>
@@ -2286,7 +2286,7 @@
           <p:cNvPr id="4" name="文本占位符 3">
             <a:extLst>
               <a:ext uri="{FF2B5EF4-FFF2-40B4-BE49-F238E27FC236}">
-                <a16:creationId xmlns:a16="http://schemas.microsoft.com/office/drawing/2014/main" id="{A2E0E815-51C2-184E-4CFE-A1152075FCB0}"/>
+                <a16:creationId xmlns:a16="http://schemas.microsoft.com/office/drawing/2014/main" id="{4928E022-1B4C-5DAF-0E2F-9CEC5800D804}"/>
               </a:ext>
             </a:extLst>
           </p:cNvPr>
@@ -2357,7 +2357,7 @@
           <p:cNvPr id="5" name="日期占位符 4">
             <a:extLst>
               <a:ext uri="{FF2B5EF4-FFF2-40B4-BE49-F238E27FC236}">
-                <a16:creationId xmlns:a16="http://schemas.microsoft.com/office/drawing/2014/main" id="{40AED8EB-6BDE-FA0E-82EA-6086D24D437B}"/>
+                <a16:creationId xmlns:a16="http://schemas.microsoft.com/office/drawing/2014/main" id="{18195959-FBC7-7A8E-C48E-0CDA225401F0}"/>
               </a:ext>
             </a:extLst>
           </p:cNvPr>
@@ -2373,7 +2373,7 @@
           <a:bodyPr/>
           <a:lstStyle/>
           <a:p>
-            <a:fld id="{3BB286D0-E146-4A24-9018-1BD3DDAA24A7}" type="datetimeFigureOut">
+            <a:fld id="{6EFD2B30-E2BB-441A-AD8C-76BC62EEAAB5}" type="datetimeFigureOut">
               <a:rPr lang="zh-CN" altLang="en-US" smtClean="0"/>
               <a:t>2024/3/10</a:t>
             </a:fld>
@@ -2386,7 +2386,7 @@
           <p:cNvPr id="6" name="页脚占位符 5">
             <a:extLst>
               <a:ext uri="{FF2B5EF4-FFF2-40B4-BE49-F238E27FC236}">
-                <a16:creationId xmlns:a16="http://schemas.microsoft.com/office/drawing/2014/main" id="{F88D9936-E488-8F41-009D-48352E13F51D}"/>
+                <a16:creationId xmlns:a16="http://schemas.microsoft.com/office/drawing/2014/main" id="{ABE660B2-2D8F-2CA6-D533-8F93491483A0}"/>
               </a:ext>
             </a:extLst>
           </p:cNvPr>
@@ -2411,7 +2411,7 @@
           <p:cNvPr id="7" name="灯片编号占位符 6">
             <a:extLst>
               <a:ext uri="{FF2B5EF4-FFF2-40B4-BE49-F238E27FC236}">
-                <a16:creationId xmlns:a16="http://schemas.microsoft.com/office/drawing/2014/main" id="{3B119B17-5F26-4445-9316-257D7DC787E4}"/>
+                <a16:creationId xmlns:a16="http://schemas.microsoft.com/office/drawing/2014/main" id="{C3AE3BB7-47A0-0ACA-32B6-5A9B5954C5EE}"/>
               </a:ext>
             </a:extLst>
           </p:cNvPr>
@@ -2427,7 +2427,7 @@
           <a:bodyPr/>
           <a:lstStyle/>
           <a:p>
-            <a:fld id="{57BAF83A-4AF8-44BD-9EA7-8A8236AEF700}" type="slidenum">
+            <a:fld id="{517944E9-1146-4C0F-A56E-CAF353FBD10B}" type="slidenum">
               <a:rPr lang="zh-CN" altLang="en-US" smtClean="0"/>
               <a:t>‹#›</a:t>
             </a:fld>
@@ -2438,7 +2438,7 @@
     </p:spTree>
     <p:extLst>
       <p:ext uri="{BB962C8B-B14F-4D97-AF65-F5344CB8AC3E}">
-        <p14:creationId xmlns:p14="http://schemas.microsoft.com/office/powerpoint/2010/main" val="3737685984"/>
+        <p14:creationId xmlns:p14="http://schemas.microsoft.com/office/powerpoint/2010/main" val="3132213013"/>
       </p:ext>
     </p:extLst>
   </p:cSld>
@@ -2470,7 +2470,7 @@
           <p:cNvPr id="2" name="标题 1">
             <a:extLst>
               <a:ext uri="{FF2B5EF4-FFF2-40B4-BE49-F238E27FC236}">
-                <a16:creationId xmlns:a16="http://schemas.microsoft.com/office/drawing/2014/main" id="{DCEC86C8-234A-E7FA-AE09-AA5C80047240}"/>
+                <a16:creationId xmlns:a16="http://schemas.microsoft.com/office/drawing/2014/main" id="{F33CA38A-8B6B-2169-E20E-157F5E71016D}"/>
               </a:ext>
             </a:extLst>
           </p:cNvPr>
@@ -2507,7 +2507,7 @@
           <p:cNvPr id="3" name="图片占位符 2">
             <a:extLst>
               <a:ext uri="{FF2B5EF4-FFF2-40B4-BE49-F238E27FC236}">
-                <a16:creationId xmlns:a16="http://schemas.microsoft.com/office/drawing/2014/main" id="{D91E244F-2B08-D16B-E966-8412D787627E}"/>
+                <a16:creationId xmlns:a16="http://schemas.microsoft.com/office/drawing/2014/main" id="{3BAD6B5D-A7BA-DA9A-B4DB-F571FCE03DB0}"/>
               </a:ext>
             </a:extLst>
           </p:cNvPr>
@@ -2574,7 +2574,7 @@
           <p:cNvPr id="4" name="文本占位符 3">
             <a:extLst>
               <a:ext uri="{FF2B5EF4-FFF2-40B4-BE49-F238E27FC236}">
-                <a16:creationId xmlns:a16="http://schemas.microsoft.com/office/drawing/2014/main" id="{F4F76257-8D30-3546-A1C4-9BBE9CF2EAB4}"/>
+                <a16:creationId xmlns:a16="http://schemas.microsoft.com/office/drawing/2014/main" id="{CCEE4389-0995-FB97-42C5-EC0A9CE353EE}"/>
               </a:ext>
             </a:extLst>
           </p:cNvPr>
@@ -2645,7 +2645,7 @@
           <p:cNvPr id="5" name="日期占位符 4">
             <a:extLst>
               <a:ext uri="{FF2B5EF4-FFF2-40B4-BE49-F238E27FC236}">
-                <a16:creationId xmlns:a16="http://schemas.microsoft.com/office/drawing/2014/main" id="{0638FB6D-B70B-5AFA-5FEA-84FCD78C396D}"/>
+                <a16:creationId xmlns:a16="http://schemas.microsoft.com/office/drawing/2014/main" id="{020A9EF6-EBEB-2072-1EED-E471C573BEF6}"/>
               </a:ext>
             </a:extLst>
           </p:cNvPr>
@@ -2661,7 +2661,7 @@
           <a:bodyPr/>
           <a:lstStyle/>
           <a:p>
-            <a:fld id="{3BB286D0-E146-4A24-9018-1BD3DDAA24A7}" type="datetimeFigureOut">
+            <a:fld id="{6EFD2B30-E2BB-441A-AD8C-76BC62EEAAB5}" type="datetimeFigureOut">
               <a:rPr lang="zh-CN" altLang="en-US" smtClean="0"/>
               <a:t>2024/3/10</a:t>
             </a:fld>
@@ -2674,7 +2674,7 @@
           <p:cNvPr id="6" name="页脚占位符 5">
             <a:extLst>
               <a:ext uri="{FF2B5EF4-FFF2-40B4-BE49-F238E27FC236}">
-                <a16:creationId xmlns:a16="http://schemas.microsoft.com/office/drawing/2014/main" id="{76DD0934-D2C0-C1F9-8D7B-2CFE995A9807}"/>
+                <a16:creationId xmlns:a16="http://schemas.microsoft.com/office/drawing/2014/main" id="{897A8247-97F3-5B63-07CB-5F06C9E5299D}"/>
               </a:ext>
             </a:extLst>
           </p:cNvPr>
@@ -2699,7 +2699,7 @@
           <p:cNvPr id="7" name="灯片编号占位符 6">
             <a:extLst>
               <a:ext uri="{FF2B5EF4-FFF2-40B4-BE49-F238E27FC236}">
-                <a16:creationId xmlns:a16="http://schemas.microsoft.com/office/drawing/2014/main" id="{929BE48D-015C-0646-6B4A-DEEBC413BEA0}"/>
+                <a16:creationId xmlns:a16="http://schemas.microsoft.com/office/drawing/2014/main" id="{7180106F-D4ED-9F07-DAB8-E3D8C4935EA0}"/>
               </a:ext>
             </a:extLst>
           </p:cNvPr>
@@ -2715,7 +2715,7 @@
           <a:bodyPr/>
           <a:lstStyle/>
           <a:p>
-            <a:fld id="{57BAF83A-4AF8-44BD-9EA7-8A8236AEF700}" type="slidenum">
+            <a:fld id="{517944E9-1146-4C0F-A56E-CAF353FBD10B}" type="slidenum">
               <a:rPr lang="zh-CN" altLang="en-US" smtClean="0"/>
               <a:t>‹#›</a:t>
             </a:fld>
@@ -2726,7 +2726,7 @@
     </p:spTree>
     <p:extLst>
       <p:ext uri="{BB962C8B-B14F-4D97-AF65-F5344CB8AC3E}">
-        <p14:creationId xmlns:p14="http://schemas.microsoft.com/office/powerpoint/2010/main" val="4107249968"/>
+        <p14:creationId xmlns:p14="http://schemas.microsoft.com/office/powerpoint/2010/main" val="2201336174"/>
       </p:ext>
     </p:extLst>
   </p:cSld>
@@ -2763,7 +2763,7 @@
           <p:cNvPr id="2" name="标题占位符 1">
             <a:extLst>
               <a:ext uri="{FF2B5EF4-FFF2-40B4-BE49-F238E27FC236}">
-                <a16:creationId xmlns:a16="http://schemas.microsoft.com/office/drawing/2014/main" id="{3F1F36AA-24F5-246E-D8DB-F8121C001B3F}"/>
+                <a16:creationId xmlns:a16="http://schemas.microsoft.com/office/drawing/2014/main" id="{311334E1-6310-D9E3-20DC-1E3E076D78DD}"/>
               </a:ext>
             </a:extLst>
           </p:cNvPr>
@@ -2801,7 +2801,7 @@
           <p:cNvPr id="3" name="文本占位符 2">
             <a:extLst>
               <a:ext uri="{FF2B5EF4-FFF2-40B4-BE49-F238E27FC236}">
-                <a16:creationId xmlns:a16="http://schemas.microsoft.com/office/drawing/2014/main" id="{30309F0A-0F50-5B7E-7138-E05455FD4394}"/>
+                <a16:creationId xmlns:a16="http://schemas.microsoft.com/office/drawing/2014/main" id="{B6388448-D0D9-2ED7-D14D-B8DFD161ED67}"/>
               </a:ext>
             </a:extLst>
           </p:cNvPr>
@@ -2868,7 +2868,7 @@
           <p:cNvPr id="4" name="日期占位符 3">
             <a:extLst>
               <a:ext uri="{FF2B5EF4-FFF2-40B4-BE49-F238E27FC236}">
-                <a16:creationId xmlns:a16="http://schemas.microsoft.com/office/drawing/2014/main" id="{E719D435-3A5B-421D-11C5-5A4FD395A7B5}"/>
+                <a16:creationId xmlns:a16="http://schemas.microsoft.com/office/drawing/2014/main" id="{9E91617B-2A19-B1B8-15CE-8585D15C6683}"/>
               </a:ext>
             </a:extLst>
           </p:cNvPr>
@@ -2902,7 +2902,7 @@
             </a:lvl1pPr>
           </a:lstStyle>
           <a:p>
-            <a:fld id="{3BB286D0-E146-4A24-9018-1BD3DDAA24A7}" type="datetimeFigureOut">
+            <a:fld id="{6EFD2B30-E2BB-441A-AD8C-76BC62EEAAB5}" type="datetimeFigureOut">
               <a:rPr lang="zh-CN" altLang="en-US" smtClean="0"/>
               <a:t>2024/3/10</a:t>
             </a:fld>
@@ -2915,7 +2915,7 @@
           <p:cNvPr id="5" name="页脚占位符 4">
             <a:extLst>
               <a:ext uri="{FF2B5EF4-FFF2-40B4-BE49-F238E27FC236}">
-                <a16:creationId xmlns:a16="http://schemas.microsoft.com/office/drawing/2014/main" id="{36B71D80-C196-1949-4498-4FE1BCF8744C}"/>
+                <a16:creationId xmlns:a16="http://schemas.microsoft.com/office/drawing/2014/main" id="{3E57BC2D-55D8-21CC-8959-3A5FB50B19BD}"/>
               </a:ext>
             </a:extLst>
           </p:cNvPr>
@@ -2958,7 +2958,7 @@
           <p:cNvPr id="6" name="灯片编号占位符 5">
             <a:extLst>
               <a:ext uri="{FF2B5EF4-FFF2-40B4-BE49-F238E27FC236}">
-                <a16:creationId xmlns:a16="http://schemas.microsoft.com/office/drawing/2014/main" id="{0E15E8AA-686A-E46A-3326-6B1DB55D582F}"/>
+                <a16:creationId xmlns:a16="http://schemas.microsoft.com/office/drawing/2014/main" id="{2816ED9C-AB8B-AB30-EE3F-58856530D461}"/>
               </a:ext>
             </a:extLst>
           </p:cNvPr>
@@ -2992,7 +2992,7 @@
             </a:lvl1pPr>
           </a:lstStyle>
           <a:p>
-            <a:fld id="{57BAF83A-4AF8-44BD-9EA7-8A8236AEF700}" type="slidenum">
+            <a:fld id="{517944E9-1146-4C0F-A56E-CAF353FBD10B}" type="slidenum">
               <a:rPr lang="zh-CN" altLang="en-US" smtClean="0"/>
               <a:t>‹#›</a:t>
             </a:fld>
@@ -3003,7 +3003,7 @@
     </p:spTree>
     <p:extLst>
       <p:ext uri="{BB962C8B-B14F-4D97-AF65-F5344CB8AC3E}">
-        <p14:creationId xmlns:p14="http://schemas.microsoft.com/office/powerpoint/2010/main" val="1240534142"/>
+        <p14:creationId xmlns:p14="http://schemas.microsoft.com/office/powerpoint/2010/main" val="1512526262"/>
       </p:ext>
     </p:extLst>
   </p:cSld>
@@ -3323,7 +3323,7 @@
       </p:grpSpPr>
       <p:pic>
         <p:nvPicPr>
-          <p:cNvPr id="1219586" name="Picture 2" descr="1190"/>
+          <p:cNvPr id="1220610" name="Picture 2" descr="1191"/>
           <p:cNvPicPr>
             <a:picLocks noChangeAspect="1" noChangeArrowheads="1"/>
           </p:cNvPicPr>
